--- a/18조.pptx
+++ b/18조.pptx
@@ -109,6 +109,11 @@
       </a:defRPr>
     </a:lvl9pPr>
   </p:defaultTextStyle>
+  <p:extLst>
+    <p:ext uri="{EFAFB233-063F-42B5-8137-9DF3F51BA10A}">
+      <p15:sldGuideLst xmlns:p15="http://schemas.microsoft.com/office/powerpoint/2012/main"/>
+    </p:ext>
+  </p:extLst>
 </p:presentation>
 </file>
 
@@ -3569,10 +3574,9 @@
             <a:p>
               <a:pPr algn="ctr"/>
               <a:r>
-                <a:rPr lang="ko-KR" altLang="en-US"/>
+                <a:rPr lang="ko-KR" altLang="en-US" dirty="0"/>
                 <a:t>사랑과 전쟁</a:t>
               </a:r>
-              <a:endParaRPr lang="ko-KR" altLang="en-US" dirty="0" err="1"/>
             </a:p>
           </p:txBody>
         </p:sp>
@@ -3690,6 +3694,81 @@
           </p:sp>
         </p:grpSp>
       </p:grpSp>
+      <p:sp>
+        <p:nvSpPr>
+          <p:cNvPr id="2" name="TextBox 1">
+            <a:extLst>
+              <a:ext uri="{FF2B5EF4-FFF2-40B4-BE49-F238E27FC236}">
+                <a16:creationId xmlns:a16="http://schemas.microsoft.com/office/drawing/2014/main" id="{0158A181-C794-431B-D139-D70A26156598}"/>
+              </a:ext>
+            </a:extLst>
+          </p:cNvPr>
+          <p:cNvSpPr txBox="1"/>
+          <p:nvPr/>
+        </p:nvSpPr>
+        <p:spPr>
+          <a:xfrm>
+            <a:off x="10082666" y="5505449"/>
+            <a:ext cx="1436274" cy="954107"/>
+          </a:xfrm>
+          <a:prstGeom prst="rect">
+            <a:avLst/>
+          </a:prstGeom>
+          <a:noFill/>
+        </p:spPr>
+        <p:txBody>
+          <a:bodyPr wrap="square" rtlCol="0">
+            <a:spAutoFit/>
+          </a:bodyPr>
+          <a:lstStyle/>
+          <a:p>
+            <a:pPr algn="ctr"/>
+            <a:r>
+              <a:rPr lang="en-US" altLang="ko-KR" sz="1400" dirty="0"/>
+              <a:t>18</a:t>
+            </a:r>
+            <a:r>
+              <a:rPr lang="ko-KR" altLang="en-US" sz="1400" dirty="0"/>
+              <a:t>조 류희철</a:t>
+            </a:r>
+            <a:endParaRPr lang="en-US" altLang="ko-KR" sz="1400" dirty="0"/>
+          </a:p>
+          <a:p>
+            <a:pPr algn="ctr"/>
+            <a:r>
+              <a:rPr lang="en-US" altLang="ko-KR" sz="1400" dirty="0"/>
+              <a:t>18</a:t>
+            </a:r>
+            <a:r>
+              <a:rPr lang="ko-KR" altLang="en-US" sz="1400" dirty="0"/>
+              <a:t>조 권오성</a:t>
+            </a:r>
+          </a:p>
+          <a:p>
+            <a:pPr algn="ctr"/>
+            <a:r>
+              <a:rPr lang="en-US" altLang="ko-KR" sz="1400" dirty="0"/>
+              <a:t>18</a:t>
+            </a:r>
+            <a:r>
+              <a:rPr lang="ko-KR" altLang="en-US" sz="1400" dirty="0"/>
+              <a:t>조 박정민</a:t>
+            </a:r>
+            <a:endParaRPr lang="en-US" altLang="ko-KR" sz="1400" dirty="0"/>
+          </a:p>
+          <a:p>
+            <a:pPr algn="ctr"/>
+            <a:r>
+              <a:rPr lang="en-US" altLang="ko-KR" sz="1400" dirty="0"/>
+              <a:t>18</a:t>
+            </a:r>
+            <a:r>
+              <a:rPr lang="ko-KR" altLang="en-US" sz="1400" dirty="0"/>
+              <a:t>조 임재민</a:t>
+            </a:r>
+          </a:p>
+        </p:txBody>
+      </p:sp>
     </p:spTree>
     <p:extLst>
       <p:ext uri="{BB962C8B-B14F-4D97-AF65-F5344CB8AC3E}">
@@ -4323,7 +4402,7 @@
                     <a:schemeClr val="bg1"/>
                   </a:solidFill>
                 </a:rPr>
-                <a:t>대칭  </a:t>
+                <a:t>대칭 </a:t>
               </a:r>
               <a:r>
                 <a:rPr lang="en-US" altLang="ko-KR" b="1" dirty="0">
@@ -4789,6 +4868,162 @@
           </p:txBody>
         </p:sp>
       </p:grpSp>
+      <p:sp>
+        <p:nvSpPr>
+          <p:cNvPr id="2" name="직사각형 1">
+            <a:extLst>
+              <a:ext uri="{FF2B5EF4-FFF2-40B4-BE49-F238E27FC236}">
+                <a16:creationId xmlns:a16="http://schemas.microsoft.com/office/drawing/2014/main" id="{426723D5-F77E-0020-2836-4BA401391C26}"/>
+              </a:ext>
+            </a:extLst>
+          </p:cNvPr>
+          <p:cNvSpPr/>
+          <p:nvPr/>
+        </p:nvSpPr>
+        <p:spPr>
+          <a:xfrm>
+            <a:off x="4136652" y="3961135"/>
+            <a:ext cx="5163671" cy="371473"/>
+          </a:xfrm>
+          <a:prstGeom prst="rect">
+            <a:avLst/>
+          </a:prstGeom>
+          <a:solidFill>
+            <a:srgbClr val="00B050"/>
+          </a:solidFill>
+          <a:ln>
+            <a:noFill/>
+          </a:ln>
+        </p:spPr>
+        <p:style>
+          <a:lnRef idx="2">
+            <a:schemeClr val="accent1">
+              <a:shade val="15000"/>
+            </a:schemeClr>
+          </a:lnRef>
+          <a:fillRef idx="1">
+            <a:schemeClr val="accent1"/>
+          </a:fillRef>
+          <a:effectRef idx="0">
+            <a:schemeClr val="accent1"/>
+          </a:effectRef>
+          <a:fontRef idx="minor">
+            <a:schemeClr val="lt1"/>
+          </a:fontRef>
+        </p:style>
+        <p:txBody>
+          <a:bodyPr rtlCol="0" anchor="ctr"/>
+          <a:lstStyle/>
+          <a:p>
+            <a:pPr algn="ctr"/>
+            <a:endParaRPr lang="ko-KR" altLang="en-US"/>
+          </a:p>
+        </p:txBody>
+      </p:sp>
+      <p:sp>
+        <p:nvSpPr>
+          <p:cNvPr id="3" name="직사각형 2">
+            <a:extLst>
+              <a:ext uri="{FF2B5EF4-FFF2-40B4-BE49-F238E27FC236}">
+                <a16:creationId xmlns:a16="http://schemas.microsoft.com/office/drawing/2014/main" id="{B913B134-1173-70F8-3318-694DF0833D27}"/>
+              </a:ext>
+            </a:extLst>
+          </p:cNvPr>
+          <p:cNvSpPr/>
+          <p:nvPr/>
+        </p:nvSpPr>
+        <p:spPr>
+          <a:xfrm>
+            <a:off x="4551645" y="2628900"/>
+            <a:ext cx="5163671" cy="371473"/>
+          </a:xfrm>
+          <a:prstGeom prst="rect">
+            <a:avLst/>
+          </a:prstGeom>
+          <a:solidFill>
+            <a:srgbClr val="00B050"/>
+          </a:solidFill>
+          <a:ln>
+            <a:noFill/>
+          </a:ln>
+        </p:spPr>
+        <p:style>
+          <a:lnRef idx="2">
+            <a:schemeClr val="accent1">
+              <a:shade val="15000"/>
+            </a:schemeClr>
+          </a:lnRef>
+          <a:fillRef idx="1">
+            <a:schemeClr val="accent1"/>
+          </a:fillRef>
+          <a:effectRef idx="0">
+            <a:schemeClr val="accent1"/>
+          </a:effectRef>
+          <a:fontRef idx="minor">
+            <a:schemeClr val="lt1"/>
+          </a:fontRef>
+        </p:style>
+        <p:txBody>
+          <a:bodyPr rtlCol="0" anchor="ctr"/>
+          <a:lstStyle/>
+          <a:p>
+            <a:pPr algn="ctr"/>
+            <a:endParaRPr lang="ko-KR" altLang="en-US" dirty="0"/>
+          </a:p>
+        </p:txBody>
+      </p:sp>
+      <p:sp>
+        <p:nvSpPr>
+          <p:cNvPr id="6" name="직사각형 5">
+            <a:extLst>
+              <a:ext uri="{FF2B5EF4-FFF2-40B4-BE49-F238E27FC236}">
+                <a16:creationId xmlns:a16="http://schemas.microsoft.com/office/drawing/2014/main" id="{9B3C2F09-3EB1-50E7-CBED-7C844BFA211C}"/>
+              </a:ext>
+            </a:extLst>
+          </p:cNvPr>
+          <p:cNvSpPr/>
+          <p:nvPr/>
+        </p:nvSpPr>
+        <p:spPr>
+          <a:xfrm>
+            <a:off x="4355166" y="5248275"/>
+            <a:ext cx="5163671" cy="371473"/>
+          </a:xfrm>
+          <a:prstGeom prst="rect">
+            <a:avLst/>
+          </a:prstGeom>
+          <a:solidFill>
+            <a:srgbClr val="00B050"/>
+          </a:solidFill>
+          <a:ln>
+            <a:noFill/>
+          </a:ln>
+        </p:spPr>
+        <p:style>
+          <a:lnRef idx="2">
+            <a:schemeClr val="accent1">
+              <a:shade val="15000"/>
+            </a:schemeClr>
+          </a:lnRef>
+          <a:fillRef idx="1">
+            <a:schemeClr val="accent1"/>
+          </a:fillRef>
+          <a:effectRef idx="0">
+            <a:schemeClr val="accent1"/>
+          </a:effectRef>
+          <a:fontRef idx="minor">
+            <a:schemeClr val="lt1"/>
+          </a:fontRef>
+        </p:style>
+        <p:txBody>
+          <a:bodyPr rtlCol="0" anchor="ctr"/>
+          <a:lstStyle/>
+          <a:p>
+            <a:pPr algn="ctr"/>
+            <a:endParaRPr lang="ko-KR" altLang="en-US"/>
+          </a:p>
+        </p:txBody>
+      </p:sp>
     </p:spTree>
     <p:extLst>
       <p:ext uri="{BB962C8B-B14F-4D97-AF65-F5344CB8AC3E}">
@@ -4799,6 +5034,176 @@
   <p:clrMapOvr>
     <a:masterClrMapping/>
   </p:clrMapOvr>
+  <p:timing>
+    <p:tnLst>
+      <p:par>
+        <p:cTn id="1" dur="indefinite" restart="never" nodeType="tmRoot">
+          <p:childTnLst>
+            <p:seq concurrent="1" nextAc="seek">
+              <p:cTn id="2" dur="indefinite" nodeType="mainSeq">
+                <p:childTnLst>
+                  <p:par>
+                    <p:cTn id="3" fill="hold">
+                      <p:stCondLst>
+                        <p:cond delay="indefinite"/>
+                      </p:stCondLst>
+                      <p:childTnLst>
+                        <p:par>
+                          <p:cTn id="4" fill="hold">
+                            <p:stCondLst>
+                              <p:cond delay="0"/>
+                            </p:stCondLst>
+                            <p:childTnLst>
+                              <p:par>
+                                <p:cTn id="5" presetID="1" presetClass="exit" presetSubtype="0" fill="hold" grpId="0" nodeType="clickEffect">
+                                  <p:stCondLst>
+                                    <p:cond delay="0"/>
+                                  </p:stCondLst>
+                                  <p:childTnLst>
+                                    <p:set>
+                                      <p:cBhvr>
+                                        <p:cTn id="6" dur="1" fill="hold">
+                                          <p:stCondLst>
+                                            <p:cond delay="0"/>
+                                          </p:stCondLst>
+                                        </p:cTn>
+                                        <p:tgtEl>
+                                          <p:spTgt spid="3"/>
+                                        </p:tgtEl>
+                                        <p:attrNameLst>
+                                          <p:attrName>style.visibility</p:attrName>
+                                        </p:attrNameLst>
+                                      </p:cBhvr>
+                                      <p:to>
+                                        <p:strVal val="hidden"/>
+                                      </p:to>
+                                    </p:set>
+                                  </p:childTnLst>
+                                </p:cTn>
+                              </p:par>
+                            </p:childTnLst>
+                          </p:cTn>
+                        </p:par>
+                      </p:childTnLst>
+                    </p:cTn>
+                  </p:par>
+                  <p:par>
+                    <p:cTn id="7" fill="hold">
+                      <p:stCondLst>
+                        <p:cond delay="indefinite"/>
+                      </p:stCondLst>
+                      <p:childTnLst>
+                        <p:par>
+                          <p:cTn id="8" fill="hold">
+                            <p:stCondLst>
+                              <p:cond delay="0"/>
+                            </p:stCondLst>
+                            <p:childTnLst>
+                              <p:par>
+                                <p:cTn id="9" presetID="1" presetClass="exit" presetSubtype="0" fill="hold" grpId="0" nodeType="clickEffect">
+                                  <p:stCondLst>
+                                    <p:cond delay="0"/>
+                                  </p:stCondLst>
+                                  <p:childTnLst>
+                                    <p:set>
+                                      <p:cBhvr>
+                                        <p:cTn id="10" dur="1" fill="hold">
+                                          <p:stCondLst>
+                                            <p:cond delay="0"/>
+                                          </p:stCondLst>
+                                        </p:cTn>
+                                        <p:tgtEl>
+                                          <p:spTgt spid="2"/>
+                                        </p:tgtEl>
+                                        <p:attrNameLst>
+                                          <p:attrName>style.visibility</p:attrName>
+                                        </p:attrNameLst>
+                                      </p:cBhvr>
+                                      <p:to>
+                                        <p:strVal val="hidden"/>
+                                      </p:to>
+                                    </p:set>
+                                  </p:childTnLst>
+                                </p:cTn>
+                              </p:par>
+                            </p:childTnLst>
+                          </p:cTn>
+                        </p:par>
+                      </p:childTnLst>
+                    </p:cTn>
+                  </p:par>
+                  <p:par>
+                    <p:cTn id="11" fill="hold">
+                      <p:stCondLst>
+                        <p:cond delay="indefinite"/>
+                      </p:stCondLst>
+                      <p:childTnLst>
+                        <p:par>
+                          <p:cTn id="12" fill="hold">
+                            <p:stCondLst>
+                              <p:cond delay="0"/>
+                            </p:stCondLst>
+                            <p:childTnLst>
+                              <p:par>
+                                <p:cTn id="13" presetID="1" presetClass="exit" presetSubtype="0" fill="hold" grpId="0" nodeType="clickEffect">
+                                  <p:stCondLst>
+                                    <p:cond delay="0"/>
+                                  </p:stCondLst>
+                                  <p:childTnLst>
+                                    <p:set>
+                                      <p:cBhvr>
+                                        <p:cTn id="14" dur="1" fill="hold">
+                                          <p:stCondLst>
+                                            <p:cond delay="0"/>
+                                          </p:stCondLst>
+                                        </p:cTn>
+                                        <p:tgtEl>
+                                          <p:spTgt spid="6"/>
+                                        </p:tgtEl>
+                                        <p:attrNameLst>
+                                          <p:attrName>style.visibility</p:attrName>
+                                        </p:attrNameLst>
+                                      </p:cBhvr>
+                                      <p:to>
+                                        <p:strVal val="hidden"/>
+                                      </p:to>
+                                    </p:set>
+                                  </p:childTnLst>
+                                </p:cTn>
+                              </p:par>
+                            </p:childTnLst>
+                          </p:cTn>
+                        </p:par>
+                      </p:childTnLst>
+                    </p:cTn>
+                  </p:par>
+                </p:childTnLst>
+              </p:cTn>
+              <p:prevCondLst>
+                <p:cond evt="onPrev" delay="0">
+                  <p:tgtEl>
+                    <p:sldTgt/>
+                  </p:tgtEl>
+                </p:cond>
+              </p:prevCondLst>
+              <p:nextCondLst>
+                <p:cond evt="onNext" delay="0">
+                  <p:tgtEl>
+                    <p:sldTgt/>
+                  </p:tgtEl>
+                </p:cond>
+              </p:nextCondLst>
+            </p:seq>
+          </p:childTnLst>
+        </p:cTn>
+      </p:par>
+    </p:tnLst>
+    <p:bldLst>
+      <p:bldP spid="2" grpId="0" animBg="1"/>
+      <p:bldP spid="3" grpId="0" animBg="1"/>
+      <p:bldP spid="6" grpId="0" animBg="1"/>
+    </p:bldLst>
+  </p:timing>
 </p:sld>
 </file>
 
@@ -5102,6 +5507,43 @@
       </p:grpSpPr>
       <p:sp>
         <p:nvSpPr>
+          <p:cNvPr id="18" name="TextBox 17">
+            <a:extLst>
+              <a:ext uri="{FF2B5EF4-FFF2-40B4-BE49-F238E27FC236}">
+                <a16:creationId xmlns:a16="http://schemas.microsoft.com/office/drawing/2014/main" id="{0CA25381-642D-17AC-C50C-DAB3069C7C35}"/>
+              </a:ext>
+            </a:extLst>
+          </p:cNvPr>
+          <p:cNvSpPr txBox="1"/>
+          <p:nvPr/>
+        </p:nvSpPr>
+        <p:spPr>
+          <a:xfrm>
+            <a:off x="5353731" y="-3292476"/>
+            <a:ext cx="901016" cy="8159115"/>
+          </a:xfrm>
+          <a:prstGeom prst="rect">
+            <a:avLst/>
+          </a:prstGeom>
+          <a:noFill/>
+        </p:spPr>
+        <p:txBody>
+          <a:bodyPr vert="wordArtVertRtl" wrap="square" rtlCol="0">
+            <a:spAutoFit/>
+          </a:bodyPr>
+          <a:lstStyle/>
+          <a:p>
+            <a:pPr algn="ctr"/>
+            <a:r>
+              <a:rPr lang="en-US" altLang="ko-KR" sz="3600" b="1" dirty="0"/>
+              <a:t>42385175905</a:t>
+            </a:r>
+            <a:endParaRPr lang="ko-KR" altLang="en-US" sz="3600" b="1" dirty="0" err="1"/>
+          </a:p>
+        </p:txBody>
+      </p:sp>
+      <p:sp>
+        <p:nvSpPr>
           <p:cNvPr id="21" name="TextBox 20">
             <a:extLst>
               <a:ext uri="{FF2B5EF4-FFF2-40B4-BE49-F238E27FC236}">
@@ -5131,44 +5573,7 @@
             <a:pPr algn="ctr"/>
             <a:r>
               <a:rPr lang="en-US" altLang="ko-KR" sz="3600" b="1" dirty="0"/>
-              <a:t>12345678901</a:t>
-            </a:r>
-            <a:endParaRPr lang="ko-KR" altLang="en-US" sz="3600" b="1" dirty="0" err="1"/>
-          </a:p>
-        </p:txBody>
-      </p:sp>
-      <p:sp>
-        <p:nvSpPr>
-          <p:cNvPr id="18" name="TextBox 17">
-            <a:extLst>
-              <a:ext uri="{FF2B5EF4-FFF2-40B4-BE49-F238E27FC236}">
-                <a16:creationId xmlns:a16="http://schemas.microsoft.com/office/drawing/2014/main" id="{0CA25381-642D-17AC-C50C-DAB3069C7C35}"/>
-              </a:ext>
-            </a:extLst>
-          </p:cNvPr>
-          <p:cNvSpPr txBox="1"/>
-          <p:nvPr/>
-        </p:nvSpPr>
-        <p:spPr>
-          <a:xfrm>
-            <a:off x="5353731" y="-3292476"/>
-            <a:ext cx="901016" cy="8159115"/>
-          </a:xfrm>
-          <a:prstGeom prst="rect">
-            <a:avLst/>
-          </a:prstGeom>
-          <a:noFill/>
-        </p:spPr>
-        <p:txBody>
-          <a:bodyPr vert="wordArtVertRtl" wrap="square" rtlCol="0">
-            <a:spAutoFit/>
-          </a:bodyPr>
-          <a:lstStyle/>
-          <a:p>
-            <a:pPr algn="ctr"/>
-            <a:r>
-              <a:rPr lang="en-US" altLang="ko-KR" sz="3600" b="1" dirty="0"/>
-              <a:t>12345678905</a:t>
+              <a:t>13455371901</a:t>
             </a:r>
             <a:endParaRPr lang="ko-KR" altLang="en-US" sz="3600" b="1" dirty="0" err="1"/>
           </a:p>
@@ -5657,6 +6062,9 @@
   <p:clrMapOvr>
     <a:masterClrMapping/>
   </p:clrMapOvr>
+  <p:transition spd="slow">
+    <p:push/>
+  </p:transition>
   <p:timing>
     <p:tnLst>
       <p:par>
@@ -5878,8 +6286,8 @@
       </p:par>
     </p:tnLst>
     <p:bldLst>
+      <p:bldP spid="18" grpId="0"/>
       <p:bldP spid="21" grpId="0"/>
-      <p:bldP spid="18" grpId="0"/>
       <p:bldP spid="23" grpId="0"/>
     </p:bldLst>
   </p:timing>
@@ -6389,6 +6797,53 @@
           </a:p>
         </p:txBody>
       </p:sp>
+      <p:pic>
+        <p:nvPicPr>
+          <p:cNvPr id="1026" name="Picture 2" descr="비즈니스 사람 실루엣 서 로열티 무료 사진, 그림, 이미지 그리고 스톡포토그래피. Image 96757112">
+            <a:extLst>
+              <a:ext uri="{FF2B5EF4-FFF2-40B4-BE49-F238E27FC236}">
+                <a16:creationId xmlns:a16="http://schemas.microsoft.com/office/drawing/2014/main" id="{EC1A9EAD-53CF-7F63-922A-21FF105B78D0}"/>
+              </a:ext>
+            </a:extLst>
+          </p:cNvPr>
+          <p:cNvPicPr>
+            <a:picLocks noChangeAspect="1" noChangeArrowheads="1"/>
+          </p:cNvPicPr>
+          <p:nvPr/>
+        </p:nvPicPr>
+        <p:blipFill>
+          <a:blip r:embed="rId3">
+            <a:extLst>
+              <a:ext uri="{28A0092B-C50C-407E-A947-70E740481C1C}">
+                <a14:useLocalDpi xmlns:a14="http://schemas.microsoft.com/office/drawing/2010/main" val="0"/>
+              </a:ext>
+            </a:extLst>
+          </a:blip>
+          <a:srcRect/>
+          <a:stretch>
+            <a:fillRect/>
+          </a:stretch>
+        </p:blipFill>
+        <p:spPr bwMode="auto">
+          <a:xfrm>
+            <a:off x="1592075" y="3740825"/>
+            <a:ext cx="2962423" cy="2962423"/>
+          </a:xfrm>
+          <a:prstGeom prst="rect">
+            <a:avLst/>
+          </a:prstGeom>
+          <a:noFill/>
+          <a:extLst>
+            <a:ext uri="{909E8E84-426E-40DD-AFC4-6F175D3DCCD1}">
+              <a14:hiddenFill xmlns:a14="http://schemas.microsoft.com/office/drawing/2010/main">
+                <a:solidFill>
+                  <a:srgbClr val="FFFFFF"/>
+                </a:solidFill>
+              </a14:hiddenFill>
+            </a:ext>
+          </a:extLst>
+        </p:spPr>
+      </p:pic>
     </p:spTree>
     <p:extLst>
       <p:ext uri="{BB962C8B-B14F-4D97-AF65-F5344CB8AC3E}">
@@ -6399,6 +6854,9 @@
   <p:clrMapOvr>
     <a:masterClrMapping/>
   </p:clrMapOvr>
+  <p:transition spd="slow">
+    <p:push/>
+  </p:transition>
 </p:sld>
 </file>
 
